--- a/eece3170/sum16/lectures/eece.3170sum16_lec8.pptx
+++ b/eece3170/sum16/lectures/eece.3170sum16_lec8.pptx
@@ -546,7 +546,7 @@
             <a:tailEnd/>
           </a:ln>
           <a:extLst>
-            <a:ext uri="{909E8E84-426E-40dd-AFC4-6F175D3DCCD1}">
+            <a:ext uri="{909E8E84-426E-40DD-AFC4-6F175D3DCCD1}">
               <a14:hiddenFill xmlns:a14="http://schemas.microsoft.com/office/drawing/2010/main">
                 <a:solidFill>
                   <a:srgbClr val="FFFFFF"/>
@@ -554,7 +554,7 @@
               </a14:hiddenFill>
             </a:ext>
             <a:ext uri="{FAA26D3D-D897-4be2-8F04-BA451C77F1D7}">
-              <ma14:placeholderFlag xmlns:ma14="http://schemas.microsoft.com/office/mac/drawingml/2011/main" val="1"/>
+              <ma14:placeholderFlag xmlns:ma14="http://schemas.microsoft.com/office/mac/drawingml/2011/main" xmlns="" val="1"/>
             </a:ext>
           </a:extLst>
         </p:spPr>
@@ -893,14 +893,14 @@
           <a:noFill/>
           <a:ln/>
           <a:extLst>
-            <a:ext uri="{909E8E84-426E-40dd-AFC4-6F175D3DCCD1}">
+            <a:ext uri="{909E8E84-426E-40DD-AFC4-6F175D3DCCD1}">
               <a14:hiddenFill xmlns:a14="http://schemas.microsoft.com/office/drawing/2010/main">
                 <a:solidFill>
                   <a:srgbClr val="FFFFFF"/>
                 </a:solidFill>
               </a14:hiddenFill>
             </a:ext>
-            <a:ext uri="{91240B29-F687-4f45-9708-019B960494DF}">
+            <a:ext uri="{91240B29-F687-4F45-9708-019B960494DF}">
               <a14:hiddenLine xmlns:a14="http://schemas.microsoft.com/office/drawing/2010/main" w="9525">
                 <a:solidFill>
                   <a:srgbClr val="000000"/>
@@ -1068,14 +1068,14 @@
           <a:noFill/>
           <a:ln/>
           <a:extLst>
-            <a:ext uri="{909E8E84-426E-40dd-AFC4-6F175D3DCCD1}">
+            <a:ext uri="{909E8E84-426E-40DD-AFC4-6F175D3DCCD1}">
               <a14:hiddenFill xmlns:a14="http://schemas.microsoft.com/office/drawing/2010/main">
                 <a:solidFill>
                   <a:srgbClr val="FFFFFF"/>
                 </a:solidFill>
               </a14:hiddenFill>
             </a:ext>
-            <a:ext uri="{91240B29-F687-4f45-9708-019B960494DF}">
+            <a:ext uri="{91240B29-F687-4F45-9708-019B960494DF}">
               <a14:hiddenLine xmlns:a14="http://schemas.microsoft.com/office/drawing/2010/main" w="9525">
                 <a:solidFill>
                   <a:srgbClr val="000000"/>
@@ -1086,7 +1086,7 @@
               </a14:hiddenLine>
             </a:ext>
             <a:ext uri="{FAA26D3D-D897-4be2-8F04-BA451C77F1D7}">
-              <ma14:placeholderFlag xmlns:ma14="http://schemas.microsoft.com/office/mac/drawingml/2011/main" val="1"/>
+              <ma14:placeholderFlag xmlns:ma14="http://schemas.microsoft.com/office/mac/drawingml/2011/main" xmlns="" val="1"/>
             </a:ext>
           </a:extLst>
         </p:spPr>
@@ -1188,7 +1188,7 @@
             <a:tailEnd/>
           </a:ln>
           <a:extLst>
-            <a:ext uri="{909E8E84-426E-40dd-AFC4-6F175D3DCCD1}">
+            <a:ext uri="{909E8E84-426E-40DD-AFC4-6F175D3DCCD1}">
               <a14:hiddenFill xmlns:a14="http://schemas.microsoft.com/office/drawing/2010/main">
                 <a:solidFill>
                   <a:srgbClr val="FFFFFF"/>
@@ -1231,7 +1231,7 @@
             <a:tailEnd/>
           </a:ln>
           <a:extLst>
-            <a:ext uri="{909E8E84-426E-40dd-AFC4-6F175D3DCCD1}">
+            <a:ext uri="{909E8E84-426E-40DD-AFC4-6F175D3DCCD1}">
               <a14:hiddenFill xmlns:a14="http://schemas.microsoft.com/office/drawing/2010/main">
                 <a:noFill/>
               </a14:hiddenFill>
@@ -1331,7 +1331,7 @@
           <a:p>
             <a:fld id="{A4E0FCA8-7D36-F545-865C-CA8EFEAC47A2}" type="datetime1">
               <a:rPr lang="en-US" smtClean="0"/>
-              <a:t>6/5/16</a:t>
+              <a:t>6/6/2016</a:t>
             </a:fld>
             <a:endParaRPr lang="en-US"/>
           </a:p>
@@ -1528,7 +1528,7 @@
           <a:p>
             <a:fld id="{3CFBB5D7-245A-F44D-9416-D1B3C1D25483}" type="datetime1">
               <a:rPr lang="en-US" smtClean="0"/>
-              <a:t>6/5/16</a:t>
+              <a:t>6/6/2016</a:t>
             </a:fld>
             <a:endParaRPr lang="en-US"/>
           </a:p>
@@ -1734,7 +1734,7 @@
           <a:p>
             <a:fld id="{671785B4-BA0C-F744-9C4E-1DAADBE6353B}" type="datetime1">
               <a:rPr lang="en-US" smtClean="0"/>
-              <a:t>6/5/16</a:t>
+              <a:t>6/6/2016</a:t>
             </a:fld>
             <a:endParaRPr lang="en-US"/>
           </a:p>
@@ -1997,7 +1997,7 @@
           <a:p>
             <a:fld id="{3C20E0A4-C3A0-9E40-91BC-B635DED39E30}" type="datetime1">
               <a:rPr lang="en-US" smtClean="0"/>
-              <a:t>6/5/16</a:t>
+              <a:t>6/6/2016</a:t>
             </a:fld>
             <a:endParaRPr lang="en-US"/>
           </a:p>
@@ -2260,7 +2260,7 @@
           <a:p>
             <a:fld id="{FDAA8776-8481-984A-962A-46E74FABAB51}" type="datetime1">
               <a:rPr lang="en-US" smtClean="0"/>
-              <a:t>6/5/16</a:t>
+              <a:t>6/6/2016</a:t>
             </a:fld>
             <a:endParaRPr lang="en-US"/>
           </a:p>
@@ -2456,7 +2456,7 @@
           <a:p>
             <a:fld id="{38A3CA40-DDAC-4040-A0DC-F4AEA7F2E91D}" type="datetime1">
               <a:rPr lang="en-US" smtClean="0"/>
-              <a:t>6/5/16</a:t>
+              <a:t>6/6/2016</a:t>
             </a:fld>
             <a:endParaRPr lang="en-US"/>
           </a:p>
@@ -2674,7 +2674,7 @@
           <a:p>
             <a:fld id="{8E9FF9B0-3866-FA47-BE01-D4969F7FE990}" type="datetime1">
               <a:rPr lang="en-US" smtClean="0"/>
-              <a:t>6/5/16</a:t>
+              <a:t>6/6/2016</a:t>
             </a:fld>
             <a:endParaRPr lang="en-US"/>
           </a:p>
@@ -2988,7 +2988,7 @@
           <a:p>
             <a:fld id="{D2B24AD2-DD30-884C-86CB-F7CD0DE9E666}" type="datetime1">
               <a:rPr lang="en-US" smtClean="0"/>
-              <a:t>6/5/16</a:t>
+              <a:t>6/6/2016</a:t>
             </a:fld>
             <a:endParaRPr lang="en-US"/>
           </a:p>
@@ -3441,7 +3441,7 @@
           <a:p>
             <a:fld id="{08528674-DE7E-D240-A6AA-9BE4ED0D933D}" type="datetime1">
               <a:rPr lang="en-US" smtClean="0"/>
-              <a:t>6/5/16</a:t>
+              <a:t>6/6/2016</a:t>
             </a:fld>
             <a:endParaRPr lang="en-US"/>
           </a:p>
@@ -3585,7 +3585,7 @@
           <a:p>
             <a:fld id="{8EF0DDFE-8317-D546-9F64-FBA021934AC8}" type="datetime1">
               <a:rPr lang="en-US" smtClean="0"/>
-              <a:t>6/5/16</a:t>
+              <a:t>6/6/2016</a:t>
             </a:fld>
             <a:endParaRPr lang="en-US"/>
           </a:p>
@@ -3706,7 +3706,7 @@
           <a:p>
             <a:fld id="{92315631-DFFC-8C43-A52B-AED7440DFE39}" type="datetime1">
               <a:rPr lang="en-US" smtClean="0"/>
-              <a:t>6/5/16</a:t>
+              <a:t>6/6/2016</a:t>
             </a:fld>
             <a:endParaRPr lang="en-US"/>
           </a:p>
@@ -4009,7 +4009,7 @@
           <a:p>
             <a:fld id="{AF5DA907-1D8D-CB43-BB7C-E8F756CDEA65}" type="datetime1">
               <a:rPr lang="en-US" smtClean="0"/>
-              <a:t>6/5/16</a:t>
+              <a:t>6/6/2016</a:t>
             </a:fld>
             <a:endParaRPr lang="en-US"/>
           </a:p>
@@ -4289,7 +4289,7 @@
           <a:p>
             <a:fld id="{52246061-EAD8-1747-B9FB-F0901D6F7DEE}" type="datetime1">
               <a:rPr lang="en-US" smtClean="0"/>
-              <a:t>6/5/16</a:t>
+              <a:t>6/6/2016</a:t>
             </a:fld>
             <a:endParaRPr lang="en-US"/>
           </a:p>
@@ -4418,14 +4418,14 @@
             <a:noFill/>
           </a:ln>
           <a:extLst>
-            <a:ext uri="{909E8E84-426E-40dd-AFC4-6F175D3DCCD1}">
+            <a:ext uri="{909E8E84-426E-40DD-AFC4-6F175D3DCCD1}">
               <a14:hiddenFill xmlns:a14="http://schemas.microsoft.com/office/drawing/2010/main">
                 <a:solidFill>
                   <a:srgbClr val="FFFFFF"/>
                 </a:solidFill>
               </a14:hiddenFill>
             </a:ext>
-            <a:ext uri="{91240B29-F687-4f45-9708-019B960494DF}">
+            <a:ext uri="{91240B29-F687-4F45-9708-019B960494DF}">
               <a14:hiddenLine xmlns:a14="http://schemas.microsoft.com/office/drawing/2010/main" w="9525">
                 <a:solidFill>
                   <a:srgbClr val="000000"/>
@@ -4436,7 +4436,7 @@
               </a14:hiddenLine>
             </a:ext>
             <a:ext uri="{FAA26D3D-D897-4be2-8F04-BA451C77F1D7}">
-              <ma14:placeholderFlag xmlns:ma14="http://schemas.microsoft.com/office/mac/drawingml/2011/main" val="1"/>
+              <ma14:placeholderFlag xmlns:ma14="http://schemas.microsoft.com/office/mac/drawingml/2011/main" xmlns="" val="1"/>
             </a:ext>
           </a:extLst>
         </p:spPr>
@@ -4479,14 +4479,14 @@
             <a:noFill/>
           </a:ln>
           <a:extLst>
-            <a:ext uri="{909E8E84-426E-40dd-AFC4-6F175D3DCCD1}">
+            <a:ext uri="{909E8E84-426E-40DD-AFC4-6F175D3DCCD1}">
               <a14:hiddenFill xmlns:a14="http://schemas.microsoft.com/office/drawing/2010/main">
                 <a:solidFill>
                   <a:srgbClr val="FFFFFF"/>
                 </a:solidFill>
               </a14:hiddenFill>
             </a:ext>
-            <a:ext uri="{91240B29-F687-4f45-9708-019B960494DF}">
+            <a:ext uri="{91240B29-F687-4F45-9708-019B960494DF}">
               <a14:hiddenLine xmlns:a14="http://schemas.microsoft.com/office/drawing/2010/main" w="9525">
                 <a:solidFill>
                   <a:srgbClr val="000000"/>
@@ -4497,7 +4497,7 @@
               </a14:hiddenLine>
             </a:ext>
             <a:ext uri="{FAA26D3D-D897-4be2-8F04-BA451C77F1D7}">
-              <ma14:placeholderFlag xmlns:ma14="http://schemas.microsoft.com/office/mac/drawingml/2011/main" val="1"/>
+              <ma14:placeholderFlag xmlns:ma14="http://schemas.microsoft.com/office/mac/drawingml/2011/main" xmlns="" val="1"/>
             </a:ext>
           </a:extLst>
         </p:spPr>
@@ -4588,7 +4588,7 @@
           <a:p>
             <a:fld id="{9FA1D973-4E0D-4141-BC1E-EF40FBCA15CB}" type="datetime1">
               <a:rPr lang="en-US" smtClean="0"/>
-              <a:t>6/5/16</a:t>
+              <a:t>6/6/2016</a:t>
             </a:fld>
             <a:endParaRPr lang="en-US"/>
           </a:p>
@@ -4762,7 +4762,7 @@
             <a:tailEnd/>
           </a:ln>
           <a:extLst>
-            <a:ext uri="{909E8E84-426E-40dd-AFC4-6F175D3DCCD1}">
+            <a:ext uri="{909E8E84-426E-40DD-AFC4-6F175D3DCCD1}">
               <a14:hiddenFill xmlns:a14="http://schemas.microsoft.com/office/drawing/2010/main">
                 <a:solidFill>
                   <a:srgbClr val="FFFFFF"/>
@@ -4805,7 +4805,7 @@
             <a:tailEnd/>
           </a:ln>
           <a:extLst>
-            <a:ext uri="{909E8E84-426E-40dd-AFC4-6F175D3DCCD1}">
+            <a:ext uri="{909E8E84-426E-40DD-AFC4-6F175D3DCCD1}">
               <a14:hiddenFill xmlns:a14="http://schemas.microsoft.com/office/drawing/2010/main">
                 <a:noFill/>
               </a14:hiddenFill>
@@ -4841,7 +4841,7 @@
   <p:timing>
     <p:tnLst>
       <p:par>
-        <p:cTn xmlns:p14="http://schemas.microsoft.com/office/powerpoint/2010/main" id="1" dur="indefinite" restart="never" nodeType="tmRoot"/>
+        <p:cTn id="1" dur="indefinite" restart="never" nodeType="tmRoot"/>
       </p:par>
     </p:tnLst>
   </p:timing>
@@ -5382,13 +5382,7 @@
               <a:rPr lang="en-US" dirty="0" smtClean="0">
                 <a:latin typeface="Arial" charset="0"/>
               </a:rPr>
-              <a:t>Summer </a:t>
-            </a:r>
-            <a:r>
-              <a:rPr lang="en-US" dirty="0" smtClean="0">
-                <a:latin typeface="Arial" charset="0"/>
-              </a:rPr>
-              <a:t>2016</a:t>
+              <a:t>Summer 2016</a:t>
             </a:r>
             <a:endParaRPr lang="en-US" dirty="0">
               <a:latin typeface="Arial" charset="0"/>
@@ -5421,16 +5415,7 @@
                 </a:solidFill>
                 <a:latin typeface="Arial" charset="0"/>
               </a:rPr>
-              <a:t>Lecture </a:t>
-            </a:r>
-            <a:r>
-              <a:rPr lang="en-US" b="1" dirty="0">
-                <a:solidFill>
-                  <a:srgbClr val="0000FF"/>
-                </a:solidFill>
-                <a:latin typeface="Arial" charset="0"/>
-              </a:rPr>
-              <a:t>8</a:t>
+              <a:t>Lecture 8</a:t>
             </a:r>
             <a:endParaRPr lang="en-US" dirty="0">
               <a:latin typeface="Arial" charset="0"/>
@@ -5471,7 +5456,7 @@
   <p:timing>
     <p:tnLst>
       <p:par>
-        <p:cTn xmlns:p14="http://schemas.microsoft.com/office/powerpoint/2010/main" id="1" dur="indefinite" restart="never" nodeType="tmRoot"/>
+        <p:cTn id="1" dur="indefinite" restart="never" nodeType="tmRoot"/>
       </p:par>
     </p:tnLst>
   </p:timing>
@@ -5509,14 +5494,14 @@
           <a:noFill/>
           <a:ln/>
           <a:extLst>
-            <a:ext uri="{909E8E84-426E-40dd-AFC4-6F175D3DCCD1}">
+            <a:ext uri="{909E8E84-426E-40DD-AFC4-6F175D3DCCD1}">
               <a14:hiddenFill xmlns:a14="http://schemas.microsoft.com/office/drawing/2010/main">
                 <a:solidFill>
                   <a:srgbClr val="FFFFFF"/>
                 </a:solidFill>
               </a14:hiddenFill>
             </a:ext>
-            <a:ext uri="{91240B29-F687-4f45-9708-019B960494DF}">
+            <a:ext uri="{91240B29-F687-4F45-9708-019B960494DF}">
               <a14:hiddenLine xmlns:a14="http://schemas.microsoft.com/office/drawing/2010/main" w="9525">
                 <a:solidFill>
                   <a:srgbClr val="000000"/>
@@ -5623,7 +5608,7 @@
               <a:rPr lang="en-US" sz="1200" smtClean="0">
                 <a:latin typeface="Garamond" charset="0"/>
               </a:rPr>
-              <a:t>6/5/16</a:t>
+              <a:t>6/6/2016</a:t>
             </a:fld>
             <a:endParaRPr lang="en-US" sz="1200">
               <a:latin typeface="Garamond" charset="0"/>
@@ -5671,14 +5656,14 @@
           <a:noFill/>
           <a:ln/>
           <a:extLst>
-            <a:ext uri="{909E8E84-426E-40dd-AFC4-6F175D3DCCD1}">
+            <a:ext uri="{909E8E84-426E-40DD-AFC4-6F175D3DCCD1}">
               <a14:hiddenFill xmlns:a14="http://schemas.microsoft.com/office/drawing/2010/main">
                 <a:solidFill>
                   <a:srgbClr val="FFFFFF"/>
                 </a:solidFill>
               </a14:hiddenFill>
             </a:ext>
-            <a:ext uri="{91240B29-F687-4f45-9708-019B960494DF}">
+            <a:ext uri="{91240B29-F687-4F45-9708-019B960494DF}">
               <a14:hiddenLine xmlns:a14="http://schemas.microsoft.com/office/drawing/2010/main" w="9525">
                 <a:solidFill>
                   <a:srgbClr val="000000"/>
@@ -5994,7 +5979,7 @@
   <p:timing>
     <p:tnLst>
       <p:par>
-        <p:cTn xmlns:p14="http://schemas.microsoft.com/office/powerpoint/2010/main" id="1" dur="indefinite" restart="never" nodeType="tmRoot"/>
+        <p:cTn id="1" dur="indefinite" restart="never" nodeType="tmRoot"/>
       </p:par>
     </p:tnLst>
   </p:timing>
@@ -6639,14 +6624,14 @@
           <a:noFill/>
           <a:ln/>
           <a:extLst>
-            <a:ext uri="{909E8E84-426E-40dd-AFC4-6F175D3DCCD1}">
+            <a:ext uri="{909E8E84-426E-40DD-AFC4-6F175D3DCCD1}">
               <a14:hiddenFill xmlns:a14="http://schemas.microsoft.com/office/drawing/2010/main">
                 <a:solidFill>
                   <a:srgbClr val="FFFFFF"/>
                 </a:solidFill>
               </a14:hiddenFill>
             </a:ext>
-            <a:ext uri="{91240B29-F687-4f45-9708-019B960494DF}">
+            <a:ext uri="{91240B29-F687-4F45-9708-019B960494DF}">
               <a14:hiddenLine xmlns:a14="http://schemas.microsoft.com/office/drawing/2010/main" w="9525">
                 <a:solidFill>
                   <a:srgbClr val="000000"/>
@@ -6753,7 +6738,7 @@
               <a:rPr lang="en-US" sz="1200" smtClean="0">
                 <a:latin typeface="Garamond" charset="0"/>
               </a:rPr>
-              <a:t>6/5/16</a:t>
+              <a:t>6/6/2016</a:t>
             </a:fld>
             <a:endParaRPr lang="en-US" sz="1200">
               <a:latin typeface="Garamond" charset="0"/>
@@ -6801,14 +6786,14 @@
           <a:noFill/>
           <a:ln/>
           <a:extLst>
-            <a:ext uri="{909E8E84-426E-40dd-AFC4-6F175D3DCCD1}">
+            <a:ext uri="{909E8E84-426E-40DD-AFC4-6F175D3DCCD1}">
               <a14:hiddenFill xmlns:a14="http://schemas.microsoft.com/office/drawing/2010/main">
                 <a:solidFill>
                   <a:srgbClr val="FFFFFF"/>
                 </a:solidFill>
               </a14:hiddenFill>
             </a:ext>
-            <a:ext uri="{91240B29-F687-4f45-9708-019B960494DF}">
+            <a:ext uri="{91240B29-F687-4F45-9708-019B960494DF}">
               <a14:hiddenLine xmlns:a14="http://schemas.microsoft.com/office/drawing/2010/main" w="9525">
                 <a:solidFill>
                   <a:srgbClr val="000000"/>
@@ -6932,7 +6917,7 @@
   <p:timing>
     <p:tnLst>
       <p:par>
-        <p:cTn xmlns:p14="http://schemas.microsoft.com/office/powerpoint/2010/main" id="1" dur="indefinite" restart="never" nodeType="tmRoot"/>
+        <p:cTn id="1" dur="indefinite" restart="never" nodeType="tmRoot"/>
       </p:par>
     </p:tnLst>
   </p:timing>
@@ -7182,14 +7167,14 @@
           <a:noFill/>
           <a:ln/>
           <a:extLst>
-            <a:ext uri="{909E8E84-426E-40dd-AFC4-6F175D3DCCD1}">
+            <a:ext uri="{909E8E84-426E-40DD-AFC4-6F175D3DCCD1}">
               <a14:hiddenFill xmlns:a14="http://schemas.microsoft.com/office/drawing/2010/main">
                 <a:solidFill>
                   <a:srgbClr val="FFFFFF"/>
                 </a:solidFill>
               </a14:hiddenFill>
             </a:ext>
-            <a:ext uri="{91240B29-F687-4f45-9708-019B960494DF}">
+            <a:ext uri="{91240B29-F687-4F45-9708-019B960494DF}">
               <a14:hiddenLine xmlns:a14="http://schemas.microsoft.com/office/drawing/2010/main" w="9525">
                 <a:solidFill>
                   <a:srgbClr val="000000"/>
@@ -7318,7 +7303,7 @@
                 <a:latin typeface="Garamond" charset="0"/>
                 <a:cs typeface="Arial" charset="0"/>
               </a:rPr>
-              <a:t>6/5/16</a:t>
+              <a:t>6/6/2016</a:t>
             </a:fld>
             <a:endParaRPr lang="en-US" sz="1200">
               <a:latin typeface="Garamond" charset="0"/>
@@ -7367,14 +7352,14 @@
           <a:noFill/>
           <a:ln/>
           <a:extLst>
-            <a:ext uri="{909E8E84-426E-40dd-AFC4-6F175D3DCCD1}">
+            <a:ext uri="{909E8E84-426E-40DD-AFC4-6F175D3DCCD1}">
               <a14:hiddenFill xmlns:a14="http://schemas.microsoft.com/office/drawing/2010/main">
                 <a:solidFill>
                   <a:srgbClr val="FFFFFF"/>
                 </a:solidFill>
               </a14:hiddenFill>
             </a:ext>
-            <a:ext uri="{91240B29-F687-4f45-9708-019B960494DF}">
+            <a:ext uri="{91240B29-F687-4F45-9708-019B960494DF}">
               <a14:hiddenLine xmlns:a14="http://schemas.microsoft.com/office/drawing/2010/main" w="9525">
                 <a:solidFill>
                   <a:srgbClr val="000000"/>
@@ -7526,7 +7511,7 @@
   <p:timing>
     <p:tnLst>
       <p:par>
-        <p:cTn xmlns:p14="http://schemas.microsoft.com/office/powerpoint/2010/main" id="1" dur="indefinite" restart="never" nodeType="tmRoot"/>
+        <p:cTn id="1" dur="indefinite" restart="never" nodeType="tmRoot"/>
       </p:par>
     </p:tnLst>
   </p:timing>
@@ -8050,14 +8035,14 @@
           <a:noFill/>
           <a:ln/>
           <a:extLst>
-            <a:ext uri="{909E8E84-426E-40dd-AFC4-6F175D3DCCD1}">
+            <a:ext uri="{909E8E84-426E-40DD-AFC4-6F175D3DCCD1}">
               <a14:hiddenFill xmlns:a14="http://schemas.microsoft.com/office/drawing/2010/main">
                 <a:solidFill>
                   <a:srgbClr val="FFFFFF"/>
                 </a:solidFill>
               </a14:hiddenFill>
             </a:ext>
-            <a:ext uri="{91240B29-F687-4f45-9708-019B960494DF}">
+            <a:ext uri="{91240B29-F687-4F45-9708-019B960494DF}">
               <a14:hiddenLine xmlns:a14="http://schemas.microsoft.com/office/drawing/2010/main" w="9525">
                 <a:solidFill>
                   <a:srgbClr val="000000"/>
@@ -8186,7 +8171,7 @@
                 <a:latin typeface="Garamond" charset="0"/>
                 <a:cs typeface="Arial" charset="0"/>
               </a:rPr>
-              <a:t>6/5/16</a:t>
+              <a:t>6/6/2016</a:t>
             </a:fld>
             <a:endParaRPr lang="en-US" sz="1200">
               <a:latin typeface="Garamond" charset="0"/>
@@ -8235,14 +8220,14 @@
           <a:noFill/>
           <a:ln/>
           <a:extLst>
-            <a:ext uri="{909E8E84-426E-40dd-AFC4-6F175D3DCCD1}">
+            <a:ext uri="{909E8E84-426E-40DD-AFC4-6F175D3DCCD1}">
               <a14:hiddenFill xmlns:a14="http://schemas.microsoft.com/office/drawing/2010/main">
                 <a:solidFill>
                   <a:srgbClr val="FFFFFF"/>
                 </a:solidFill>
               </a14:hiddenFill>
             </a:ext>
-            <a:ext uri="{91240B29-F687-4f45-9708-019B960494DF}">
+            <a:ext uri="{91240B29-F687-4F45-9708-019B960494DF}">
               <a14:hiddenLine xmlns:a14="http://schemas.microsoft.com/office/drawing/2010/main" w="9525">
                 <a:solidFill>
                   <a:srgbClr val="000000"/>
@@ -8394,7 +8379,7 @@
   <p:timing>
     <p:tnLst>
       <p:par>
-        <p:cTn xmlns:p14="http://schemas.microsoft.com/office/powerpoint/2010/main" id="1" dur="indefinite" restart="never" nodeType="tmRoot"/>
+        <p:cTn id="1" dur="indefinite" restart="never" nodeType="tmRoot"/>
       </p:par>
     </p:tnLst>
   </p:timing>
@@ -9085,14 +9070,14 @@
           <a:noFill/>
           <a:ln/>
           <a:extLst>
-            <a:ext uri="{909E8E84-426E-40dd-AFC4-6F175D3DCCD1}">
+            <a:ext uri="{909E8E84-426E-40DD-AFC4-6F175D3DCCD1}">
               <a14:hiddenFill xmlns:a14="http://schemas.microsoft.com/office/drawing/2010/main">
                 <a:solidFill>
                   <a:srgbClr val="FFFFFF"/>
                 </a:solidFill>
               </a14:hiddenFill>
             </a:ext>
-            <a:ext uri="{91240B29-F687-4f45-9708-019B960494DF}">
+            <a:ext uri="{91240B29-F687-4F45-9708-019B960494DF}">
               <a14:hiddenLine xmlns:a14="http://schemas.microsoft.com/office/drawing/2010/main" w="9525">
                 <a:solidFill>
                   <a:srgbClr val="000000"/>
@@ -9221,7 +9206,7 @@
                 <a:latin typeface="Garamond" charset="0"/>
                 <a:cs typeface="Arial" charset="0"/>
               </a:rPr>
-              <a:t>6/5/16</a:t>
+              <a:t>6/6/2016</a:t>
             </a:fld>
             <a:endParaRPr lang="en-US" sz="1200">
               <a:latin typeface="Garamond" charset="0"/>
@@ -9270,14 +9255,14 @@
           <a:noFill/>
           <a:ln/>
           <a:extLst>
-            <a:ext uri="{909E8E84-426E-40dd-AFC4-6F175D3DCCD1}">
+            <a:ext uri="{909E8E84-426E-40DD-AFC4-6F175D3DCCD1}">
               <a14:hiddenFill xmlns:a14="http://schemas.microsoft.com/office/drawing/2010/main">
                 <a:solidFill>
                   <a:srgbClr val="FFFFFF"/>
                 </a:solidFill>
               </a14:hiddenFill>
             </a:ext>
-            <a:ext uri="{91240B29-F687-4f45-9708-019B960494DF}">
+            <a:ext uri="{91240B29-F687-4F45-9708-019B960494DF}">
               <a14:hiddenLine xmlns:a14="http://schemas.microsoft.com/office/drawing/2010/main" w="9525">
                 <a:solidFill>
                   <a:srgbClr val="000000"/>
@@ -9429,7 +9414,7 @@
   <p:timing>
     <p:tnLst>
       <p:par>
-        <p:cTn xmlns:p14="http://schemas.microsoft.com/office/powerpoint/2010/main" id="1" dur="indefinite" restart="never" nodeType="tmRoot"/>
+        <p:cTn id="1" dur="indefinite" restart="never" nodeType="tmRoot"/>
       </p:par>
     </p:tnLst>
   </p:timing>
@@ -10085,14 +10070,14 @@
           <a:noFill/>
           <a:ln/>
           <a:extLst>
-            <a:ext uri="{909E8E84-426E-40dd-AFC4-6F175D3DCCD1}">
+            <a:ext uri="{909E8E84-426E-40DD-AFC4-6F175D3DCCD1}">
               <a14:hiddenFill xmlns:a14="http://schemas.microsoft.com/office/drawing/2010/main">
                 <a:solidFill>
                   <a:srgbClr val="FFFFFF"/>
                 </a:solidFill>
               </a14:hiddenFill>
             </a:ext>
-            <a:ext uri="{91240B29-F687-4f45-9708-019B960494DF}">
+            <a:ext uri="{91240B29-F687-4F45-9708-019B960494DF}">
               <a14:hiddenLine xmlns:a14="http://schemas.microsoft.com/office/drawing/2010/main" w="9525">
                 <a:solidFill>
                   <a:srgbClr val="000000"/>
@@ -10221,7 +10206,7 @@
                 <a:latin typeface="Garamond" charset="0"/>
                 <a:cs typeface="Arial" charset="0"/>
               </a:rPr>
-              <a:t>6/5/16</a:t>
+              <a:t>6/6/2016</a:t>
             </a:fld>
             <a:endParaRPr lang="en-US" sz="1200">
               <a:latin typeface="Garamond" charset="0"/>
@@ -10270,14 +10255,14 @@
           <a:noFill/>
           <a:ln/>
           <a:extLst>
-            <a:ext uri="{909E8E84-426E-40dd-AFC4-6F175D3DCCD1}">
+            <a:ext uri="{909E8E84-426E-40DD-AFC4-6F175D3DCCD1}">
               <a14:hiddenFill xmlns:a14="http://schemas.microsoft.com/office/drawing/2010/main">
                 <a:solidFill>
                   <a:srgbClr val="FFFFFF"/>
                 </a:solidFill>
               </a14:hiddenFill>
             </a:ext>
-            <a:ext uri="{91240B29-F687-4f45-9708-019B960494DF}">
+            <a:ext uri="{91240B29-F687-4F45-9708-019B960494DF}">
               <a14:hiddenLine xmlns:a14="http://schemas.microsoft.com/office/drawing/2010/main" w="9525">
                 <a:solidFill>
                   <a:srgbClr val="000000"/>
@@ -10429,7 +10414,7 @@
   <p:timing>
     <p:tnLst>
       <p:par>
-        <p:cTn xmlns:p14="http://schemas.microsoft.com/office/powerpoint/2010/main" id="1" dur="indefinite" restart="never" nodeType="tmRoot"/>
+        <p:cTn id="1" dur="indefinite" restart="never" nodeType="tmRoot"/>
       </p:par>
     </p:tnLst>
   </p:timing>
@@ -10598,14 +10583,14 @@
           <a:noFill/>
           <a:ln/>
           <a:extLst>
-            <a:ext uri="{909E8E84-426E-40dd-AFC4-6F175D3DCCD1}">
+            <a:ext uri="{909E8E84-426E-40DD-AFC4-6F175D3DCCD1}">
               <a14:hiddenFill xmlns:a14="http://schemas.microsoft.com/office/drawing/2010/main">
                 <a:solidFill>
                   <a:srgbClr val="FFFFFF"/>
                 </a:solidFill>
               </a14:hiddenFill>
             </a:ext>
-            <a:ext uri="{91240B29-F687-4f45-9708-019B960494DF}">
+            <a:ext uri="{91240B29-F687-4F45-9708-019B960494DF}">
               <a14:hiddenLine xmlns:a14="http://schemas.microsoft.com/office/drawing/2010/main" w="9525">
                 <a:solidFill>
                   <a:srgbClr val="000000"/>
@@ -10712,7 +10697,7 @@
               <a:rPr lang="en-US" sz="1200" smtClean="0">
                 <a:latin typeface="Garamond" charset="0"/>
               </a:rPr>
-              <a:t>6/5/16</a:t>
+              <a:t>6/6/2016</a:t>
             </a:fld>
             <a:endParaRPr lang="en-US" sz="1200">
               <a:latin typeface="Garamond" charset="0"/>
@@ -10760,14 +10745,14 @@
           <a:noFill/>
           <a:ln/>
           <a:extLst>
-            <a:ext uri="{909E8E84-426E-40dd-AFC4-6F175D3DCCD1}">
+            <a:ext uri="{909E8E84-426E-40DD-AFC4-6F175D3DCCD1}">
               <a14:hiddenFill xmlns:a14="http://schemas.microsoft.com/office/drawing/2010/main">
                 <a:solidFill>
                   <a:srgbClr val="FFFFFF"/>
                 </a:solidFill>
               </a14:hiddenFill>
             </a:ext>
-            <a:ext uri="{91240B29-F687-4f45-9708-019B960494DF}">
+            <a:ext uri="{91240B29-F687-4F45-9708-019B960494DF}">
               <a14:hiddenLine xmlns:a14="http://schemas.microsoft.com/office/drawing/2010/main" w="9525">
                 <a:solidFill>
                   <a:srgbClr val="000000"/>
@@ -10891,7 +10876,7 @@
   <p:timing>
     <p:tnLst>
       <p:par>
-        <p:cTn xmlns:p14="http://schemas.microsoft.com/office/powerpoint/2010/main" id="1" dur="indefinite" restart="never" nodeType="tmRoot"/>
+        <p:cTn id="1" dur="indefinite" restart="never" nodeType="tmRoot"/>
       </p:par>
     </p:tnLst>
   </p:timing>
@@ -10995,25 +10980,7 @@
               <a:rPr lang="en-US" dirty="0" smtClean="0">
                 <a:latin typeface="Arial" charset="0"/>
               </a:rPr>
-              <a:t>HW </a:t>
-            </a:r>
-            <a:r>
-              <a:rPr lang="en-US" dirty="0" smtClean="0">
-                <a:latin typeface="Arial" charset="0"/>
-              </a:rPr>
-              <a:t>4 </a:t>
-            </a:r>
-            <a:r>
-              <a:rPr lang="en-US" dirty="0" smtClean="0">
-                <a:latin typeface="Arial" charset="0"/>
-              </a:rPr>
-              <a:t>to be posted; </a:t>
-            </a:r>
-            <a:r>
-              <a:rPr lang="en-US" dirty="0" smtClean="0">
-                <a:latin typeface="Arial" charset="0"/>
-              </a:rPr>
-              <a:t>due 1:00 PM Thursday, 6/9</a:t>
+              <a:t>HW 4 to be posted; due 1:00 PM Thursday, 6/9</a:t>
             </a:r>
           </a:p>
           <a:p>
@@ -11161,14 +11128,14 @@
           <a:noFill/>
           <a:ln/>
           <a:extLst>
-            <a:ext uri="{909E8E84-426E-40dd-AFC4-6F175D3DCCD1}">
+            <a:ext uri="{909E8E84-426E-40DD-AFC4-6F175D3DCCD1}">
               <a14:hiddenFill xmlns:a14="http://schemas.microsoft.com/office/drawing/2010/main">
                 <a:solidFill>
                   <a:srgbClr val="FFFFFF"/>
                 </a:solidFill>
               </a14:hiddenFill>
             </a:ext>
-            <a:ext uri="{91240B29-F687-4f45-9708-019B960494DF}">
+            <a:ext uri="{91240B29-F687-4F45-9708-019B960494DF}">
               <a14:hiddenLine xmlns:a14="http://schemas.microsoft.com/office/drawing/2010/main" w="9525">
                 <a:solidFill>
                   <a:srgbClr val="000000"/>
@@ -11275,7 +11242,7 @@
               <a:rPr lang="en-US" sz="1200" smtClean="0">
                 <a:latin typeface="Garamond" charset="0"/>
               </a:rPr>
-              <a:t>6/5/16</a:t>
+              <a:t>6/6/2016</a:t>
             </a:fld>
             <a:endParaRPr lang="en-US" sz="1200">
               <a:latin typeface="Garamond" charset="0"/>
@@ -11323,14 +11290,14 @@
           <a:noFill/>
           <a:ln/>
           <a:extLst>
-            <a:ext uri="{909E8E84-426E-40dd-AFC4-6F175D3DCCD1}">
+            <a:ext uri="{909E8E84-426E-40DD-AFC4-6F175D3DCCD1}">
               <a14:hiddenFill xmlns:a14="http://schemas.microsoft.com/office/drawing/2010/main">
                 <a:solidFill>
                   <a:srgbClr val="FFFFFF"/>
                 </a:solidFill>
               </a14:hiddenFill>
             </a:ext>
-            <a:ext uri="{91240B29-F687-4f45-9708-019B960494DF}">
+            <a:ext uri="{91240B29-F687-4F45-9708-019B960494DF}">
               <a14:hiddenLine xmlns:a14="http://schemas.microsoft.com/office/drawing/2010/main" w="9525">
                 <a:solidFill>
                   <a:srgbClr val="000000"/>
@@ -11454,7 +11421,7 @@
   <p:timing>
     <p:tnLst>
       <p:par>
-        <p:cTn xmlns:p14="http://schemas.microsoft.com/office/powerpoint/2010/main" id="1" dur="indefinite" restart="never" nodeType="tmRoot"/>
+        <p:cTn id="1" dur="indefinite" restart="never" nodeType="tmRoot"/>
       </p:par>
     </p:tnLst>
   </p:timing>
@@ -11523,7 +11490,7 @@
               </a:lnSpc>
             </a:pPr>
             <a:r>
-              <a:rPr lang="en-US" sz="2600">
+              <a:rPr lang="en-US" sz="2600" dirty="0">
                 <a:latin typeface="Arial" charset="0"/>
               </a:rPr>
               <a:t>Subroutines: low-level functions</a:t>
@@ -11536,7 +11503,7 @@
               </a:lnSpc>
             </a:pPr>
             <a:r>
-              <a:rPr lang="en-US" sz="2200">
+              <a:rPr lang="en-US" sz="2200" dirty="0">
                 <a:latin typeface="Arial" charset="0"/>
               </a:rPr>
               <a:t>When called, address of next instruction saved</a:t>
@@ -11549,7 +11516,7 @@
               </a:lnSpc>
             </a:pPr>
             <a:r>
-              <a:rPr lang="en-US" sz="1900">
+              <a:rPr lang="en-US" sz="1900" dirty="0">
                 <a:latin typeface="Arial" charset="0"/>
               </a:rPr>
               <a:t>Return instruction ends routine; goes to that point</a:t>
@@ -11562,7 +11529,7 @@
               </a:lnSpc>
             </a:pPr>
             <a:r>
-              <a:rPr lang="en-US" sz="2200">
+              <a:rPr lang="en-US" sz="2200" dirty="0">
                 <a:latin typeface="Arial" charset="0"/>
               </a:rPr>
               <a:t>May need to save state on stack</a:t>
@@ -11575,7 +11542,7 @@
               </a:lnSpc>
             </a:pPr>
             <a:r>
-              <a:rPr lang="en-US" sz="2600">
+              <a:rPr lang="en-US" sz="2600" dirty="0">
                 <a:latin typeface="Arial" charset="0"/>
               </a:rPr>
               <a:t>x86 specifics</a:t>
@@ -11588,7 +11555,7 @@
               </a:lnSpc>
             </a:pPr>
             <a:r>
-              <a:rPr lang="en-US" sz="2200">
+              <a:rPr lang="en-US" sz="2200" dirty="0">
                 <a:solidFill>
                   <a:srgbClr val="0000CC"/>
                 </a:solidFill>
@@ -11597,7 +11564,7 @@
               <a:t>CALL</a:t>
             </a:r>
             <a:r>
-              <a:rPr lang="en-US" sz="2200">
+              <a:rPr lang="en-US" sz="2200" dirty="0">
                 <a:latin typeface="Arial" charset="0"/>
               </a:rPr>
               <a:t> &lt;proc&gt;: call procedure</a:t>
@@ -11610,11 +11577,26 @@
               </a:lnSpc>
             </a:pPr>
             <a:r>
+              <a:rPr lang="en-US" sz="1900" dirty="0">
+                <a:latin typeface="Arial" charset="0"/>
+              </a:rPr>
+              <a:t>&lt;proc</a:t>
+            </a:r>
+            <a:r>
               <a:rPr lang="en-US" sz="1900">
                 <a:latin typeface="Arial" charset="0"/>
               </a:rPr>
-              <a:t>&lt;proc&gt; can be label (16-/32-bit imm), reg, mem</a:t>
-            </a:r>
+              <a:t>&gt; </a:t>
+            </a:r>
+            <a:r>
+              <a:rPr lang="en-US" sz="1900" smtClean="0">
+                <a:latin typeface="Arial" charset="0"/>
+              </a:rPr>
+              <a:t>typically label</a:t>
+            </a:r>
+            <a:endParaRPr lang="en-US" sz="1900" dirty="0">
+              <a:latin typeface="Arial" charset="0"/>
+            </a:endParaRPr>
           </a:p>
           <a:p>
             <a:pPr lvl="2">
@@ -11623,7 +11605,7 @@
               </a:lnSpc>
             </a:pPr>
             <a:r>
-              <a:rPr lang="en-US" sz="1900">
+              <a:rPr lang="en-US" sz="1900" dirty="0">
                 <a:latin typeface="Arial" charset="0"/>
               </a:rPr>
               <a:t>Saves address of next instruction to stack</a:t>
@@ -11636,7 +11618,7 @@
               </a:lnSpc>
             </a:pPr>
             <a:r>
-              <a:rPr lang="en-US" sz="2200">
+              <a:rPr lang="en-US" sz="2200" dirty="0">
                 <a:solidFill>
                   <a:srgbClr val="0000CC"/>
                 </a:solidFill>
@@ -11645,7 +11627,7 @@
               <a:t>RET</a:t>
             </a:r>
             <a:r>
-              <a:rPr lang="en-US" sz="2200">
+              <a:rPr lang="en-US" sz="2200" dirty="0">
                 <a:latin typeface="Arial" charset="0"/>
               </a:rPr>
               <a:t>: return from procedure</a:t>
@@ -11658,7 +11640,7 @@
               </a:lnSpc>
             </a:pPr>
             <a:r>
-              <a:rPr lang="en-US" sz="2200">
+              <a:rPr lang="en-US" sz="2200" dirty="0">
                 <a:latin typeface="Arial" charset="0"/>
               </a:rPr>
               <a:t>Saving state to stack: push instructions</a:t>
@@ -11671,31 +11653,31 @@
               </a:lnSpc>
             </a:pPr>
             <a:r>
-              <a:rPr lang="en-US" sz="1900">
+              <a:rPr lang="en-US" sz="1900" dirty="0">
                 <a:latin typeface="Arial" charset="0"/>
               </a:rPr>
               <a:t>Store data </a:t>
             </a:r>
             <a:r>
-              <a:rPr lang="ja-JP" altLang="en-US" sz="1900">
+              <a:rPr lang="ja-JP" altLang="en-US" sz="1900" dirty="0">
                 <a:latin typeface="Arial" charset="0"/>
               </a:rPr>
               <a:t>“</a:t>
             </a:r>
             <a:r>
-              <a:rPr lang="en-US" altLang="ja-JP" sz="1900">
+              <a:rPr lang="en-US" altLang="ja-JP" sz="1900" dirty="0">
                 <a:latin typeface="Arial" charset="0"/>
               </a:rPr>
               <a:t>above</a:t>
             </a:r>
             <a:r>
-              <a:rPr lang="ja-JP" altLang="en-US" sz="1900">
+              <a:rPr lang="ja-JP" altLang="en-US" sz="1900" dirty="0">
                 <a:latin typeface="Arial" charset="0"/>
               </a:rPr>
               <a:t>”</a:t>
             </a:r>
             <a:r>
-              <a:rPr lang="en-US" altLang="ja-JP" sz="1900">
+              <a:rPr lang="en-US" altLang="ja-JP" sz="1900" dirty="0">
                 <a:latin typeface="Arial" charset="0"/>
               </a:rPr>
               <a:t> current TOS; decrement SP</a:t>
@@ -11708,13 +11690,13 @@
               </a:lnSpc>
             </a:pPr>
             <a:r>
-              <a:rPr lang="en-US" sz="1900">
+              <a:rPr lang="en-US" sz="1900" dirty="0">
                 <a:latin typeface="Arial" charset="0"/>
               </a:rPr>
               <a:t>Basic </a:t>
             </a:r>
             <a:r>
-              <a:rPr lang="en-US" sz="1900">
+              <a:rPr lang="en-US" sz="1900" dirty="0">
                 <a:solidFill>
                   <a:srgbClr val="0000CC"/>
                 </a:solidFill>
@@ -11723,7 +11705,7 @@
               <a:t>PUSH</a:t>
             </a:r>
             <a:r>
-              <a:rPr lang="en-US" sz="1900">
+              <a:rPr lang="en-US" sz="1900" dirty="0">
                 <a:latin typeface="Arial" charset="0"/>
               </a:rPr>
               <a:t> stores word or double word</a:t>
@@ -11736,13 +11718,13 @@
               </a:lnSpc>
             </a:pPr>
             <a:r>
-              <a:rPr lang="en-US" sz="1900">
+              <a:rPr lang="en-US" sz="1900" dirty="0">
                 <a:latin typeface="Arial" charset="0"/>
               </a:rPr>
               <a:t>Directly storing flags: </a:t>
             </a:r>
             <a:r>
-              <a:rPr lang="en-US" sz="1900">
+              <a:rPr lang="en-US" sz="1900" dirty="0">
                 <a:solidFill>
                   <a:srgbClr val="0000CC"/>
                 </a:solidFill>
@@ -11758,13 +11740,13 @@
               </a:lnSpc>
             </a:pPr>
             <a:r>
-              <a:rPr lang="en-US" sz="1900">
+              <a:rPr lang="en-US" sz="1900" dirty="0">
                 <a:latin typeface="Arial" charset="0"/>
               </a:rPr>
               <a:t>Storing all 16-/32-bit general purpose registers: </a:t>
             </a:r>
             <a:r>
-              <a:rPr lang="en-US" sz="1900">
+              <a:rPr lang="en-US" sz="1900" dirty="0">
                 <a:solidFill>
                   <a:srgbClr val="0000CC"/>
                 </a:solidFill>
@@ -11780,13 +11762,13 @@
               </a:lnSpc>
             </a:pPr>
             <a:r>
-              <a:rPr lang="en-US" sz="2200">
+              <a:rPr lang="en-US" sz="2200" dirty="0">
                 <a:latin typeface="Arial" charset="0"/>
               </a:rPr>
               <a:t>Restoring state: </a:t>
             </a:r>
             <a:r>
-              <a:rPr lang="en-US" sz="2200">
+              <a:rPr lang="en-US" sz="2200" dirty="0">
                 <a:solidFill>
                   <a:srgbClr val="0000CC"/>
                 </a:solidFill>
@@ -11811,14 +11793,14 @@
           <a:noFill/>
           <a:ln/>
           <a:extLst>
-            <a:ext uri="{909E8E84-426E-40dd-AFC4-6F175D3DCCD1}">
+            <a:ext uri="{909E8E84-426E-40DD-AFC4-6F175D3DCCD1}">
               <a14:hiddenFill xmlns:a14="http://schemas.microsoft.com/office/drawing/2010/main">
                 <a:solidFill>
                   <a:srgbClr val="FFFFFF"/>
                 </a:solidFill>
               </a14:hiddenFill>
             </a:ext>
-            <a:ext uri="{91240B29-F687-4f45-9708-019B960494DF}">
+            <a:ext uri="{91240B29-F687-4F45-9708-019B960494DF}">
               <a14:hiddenLine xmlns:a14="http://schemas.microsoft.com/office/drawing/2010/main" w="9525">
                 <a:solidFill>
                   <a:srgbClr val="000000"/>
@@ -11947,7 +11929,7 @@
                 <a:latin typeface="Garamond" charset="0"/>
                 <a:cs typeface="Arial" charset="0"/>
               </a:rPr>
-              <a:t>6/5/16</a:t>
+              <a:t>6/6/2016</a:t>
             </a:fld>
             <a:endParaRPr lang="en-US" sz="1200">
               <a:latin typeface="Garamond" charset="0"/>
@@ -11996,14 +11978,14 @@
           <a:noFill/>
           <a:ln/>
           <a:extLst>
-            <a:ext uri="{909E8E84-426E-40dd-AFC4-6F175D3DCCD1}">
+            <a:ext uri="{909E8E84-426E-40DD-AFC4-6F175D3DCCD1}">
               <a14:hiddenFill xmlns:a14="http://schemas.microsoft.com/office/drawing/2010/main">
                 <a:solidFill>
                   <a:srgbClr val="FFFFFF"/>
                 </a:solidFill>
               </a14:hiddenFill>
             </a:ext>
-            <a:ext uri="{91240B29-F687-4f45-9708-019B960494DF}">
+            <a:ext uri="{91240B29-F687-4F45-9708-019B960494DF}">
               <a14:hiddenLine xmlns:a14="http://schemas.microsoft.com/office/drawing/2010/main" w="9525">
                 <a:solidFill>
                   <a:srgbClr val="000000"/>
@@ -12155,7 +12137,7 @@
   <p:timing>
     <p:tnLst>
       <p:par>
-        <p:cTn xmlns:p14="http://schemas.microsoft.com/office/powerpoint/2010/main" id="1" dur="indefinite" restart="never" nodeType="tmRoot"/>
+        <p:cTn id="1" dur="indefinite" restart="never" nodeType="tmRoot"/>
       </p:par>
     </p:tnLst>
   </p:timing>
@@ -12193,14 +12175,14 @@
           <a:noFill/>
           <a:ln/>
           <a:extLst>
-            <a:ext uri="{909E8E84-426E-40dd-AFC4-6F175D3DCCD1}">
+            <a:ext uri="{909E8E84-426E-40DD-AFC4-6F175D3DCCD1}">
               <a14:hiddenFill xmlns:a14="http://schemas.microsoft.com/office/drawing/2010/main">
                 <a:solidFill>
                   <a:srgbClr val="FFFFFF"/>
                 </a:solidFill>
               </a14:hiddenFill>
             </a:ext>
-            <a:ext uri="{91240B29-F687-4f45-9708-019B960494DF}">
+            <a:ext uri="{91240B29-F687-4F45-9708-019B960494DF}">
               <a14:hiddenLine xmlns:a14="http://schemas.microsoft.com/office/drawing/2010/main" w="9525">
                 <a:solidFill>
                   <a:srgbClr val="000000"/>
@@ -12307,7 +12289,7 @@
               <a:rPr lang="en-US" sz="1200" smtClean="0">
                 <a:latin typeface="Garamond" charset="0"/>
               </a:rPr>
-              <a:t>6/5/16</a:t>
+              <a:t>6/6/2016</a:t>
             </a:fld>
             <a:endParaRPr lang="en-US" sz="1200">
               <a:latin typeface="Garamond" charset="0"/>
@@ -12355,14 +12337,14 @@
           <a:noFill/>
           <a:ln/>
           <a:extLst>
-            <a:ext uri="{909E8E84-426E-40dd-AFC4-6F175D3DCCD1}">
+            <a:ext uri="{909E8E84-426E-40DD-AFC4-6F175D3DCCD1}">
               <a14:hiddenFill xmlns:a14="http://schemas.microsoft.com/office/drawing/2010/main">
                 <a:solidFill>
                   <a:srgbClr val="FFFFFF"/>
                 </a:solidFill>
               </a14:hiddenFill>
             </a:ext>
-            <a:ext uri="{91240B29-F687-4f45-9708-019B960494DF}">
+            <a:ext uri="{91240B29-F687-4F45-9708-019B960494DF}">
               <a14:hiddenLine xmlns:a14="http://schemas.microsoft.com/office/drawing/2010/main" w="9525">
                 <a:solidFill>
                   <a:srgbClr val="000000"/>
@@ -12643,7 +12625,7 @@
   <p:timing>
     <p:tnLst>
       <p:par>
-        <p:cTn xmlns:p14="http://schemas.microsoft.com/office/powerpoint/2010/main" id="1" dur="indefinite" restart="never" nodeType="tmRoot"/>
+        <p:cTn id="1" dur="indefinite" restart="never" nodeType="tmRoot"/>
       </p:par>
     </p:tnLst>
   </p:timing>
@@ -12683,12 +12665,12 @@
           <a:graphicData uri="http://schemas.openxmlformats.org/presentationml/2006/ole">
             <mc:AlternateContent xmlns:mc="http://schemas.openxmlformats.org/markup-compatibility/2006">
               <mc:Choice xmlns:v="urn:schemas-microsoft-com:vml" Requires="v">
-                <p:oleObj spid="_x0000_s1048" name="Document" r:id="rId3" imgW="5651292" imgH="4736926" progId="Word.Document.12">
+                <p:oleObj spid="_x0000_s1049" name="Document" r:id="rId4" imgW="5651292" imgH="4736926" progId="Word.Document.12">
                   <p:embed/>
                 </p:oleObj>
               </mc:Choice>
               <mc:Fallback>
-                <p:oleObj name="Document" r:id="rId3" imgW="5651292" imgH="4736926" progId="Word.Document.12">
+                <p:oleObj name="Document" r:id="rId4" imgW="5651292" imgH="4736926" progId="Word.Document.12">
                   <p:embed/>
                   <p:pic>
                     <p:nvPicPr>
@@ -12699,7 +12681,7 @@
                       <p:nvPr/>
                     </p:nvPicPr>
                     <p:blipFill>
-                      <a:blip r:embed="rId4">
+                      <a:blip r:embed="rId5">
                         <a:extLst>
                           <a:ext uri="{28A0092B-C50C-407E-A947-70E740481C1C}">
                             <a14:useLocalDpi xmlns:a14="http://schemas.microsoft.com/office/drawing/2010/main" val="0"/>
@@ -12724,14 +12706,14 @@
                         <a:noFill/>
                       </a:ln>
                       <a:extLst>
-                        <a:ext uri="{909E8E84-426E-40dd-AFC4-6F175D3DCCD1}">
+                        <a:ext uri="{909E8E84-426E-40DD-AFC4-6F175D3DCCD1}">
                           <a14:hiddenFill xmlns:a14="http://schemas.microsoft.com/office/drawing/2010/main">
                             <a:solidFill>
                               <a:srgbClr val="FFFFFF"/>
                             </a:solidFill>
                           </a14:hiddenFill>
                         </a:ext>
-                        <a:ext uri="{91240B29-F687-4f45-9708-019B960494DF}">
+                        <a:ext uri="{91240B29-F687-4F45-9708-019B960494DF}">
                           <a14:hiddenLine xmlns:a14="http://schemas.microsoft.com/office/drawing/2010/main" w="9525">
                             <a:solidFill>
                               <a:srgbClr val="000000"/>
@@ -12860,14 +12842,14 @@
           <a:noFill/>
           <a:ln/>
           <a:extLst>
-            <a:ext uri="{909E8E84-426E-40dd-AFC4-6F175D3DCCD1}">
+            <a:ext uri="{909E8E84-426E-40DD-AFC4-6F175D3DCCD1}">
               <a14:hiddenFill xmlns:a14="http://schemas.microsoft.com/office/drawing/2010/main">
                 <a:solidFill>
                   <a:srgbClr val="FFFFFF"/>
                 </a:solidFill>
               </a14:hiddenFill>
             </a:ext>
-            <a:ext uri="{91240B29-F687-4f45-9708-019B960494DF}">
+            <a:ext uri="{91240B29-F687-4F45-9708-019B960494DF}">
               <a14:hiddenLine xmlns:a14="http://schemas.microsoft.com/office/drawing/2010/main" w="9525">
                 <a:solidFill>
                   <a:srgbClr val="000000"/>
@@ -13072,7 +13054,7 @@
                 <a:latin typeface="Garamond" pitchFamily="18" charset="0"/>
                 <a:cs typeface="Arial" charset="0"/>
               </a:rPr>
-              <a:t>6/5/16</a:t>
+              <a:t>6/6/2016</a:t>
             </a:fld>
             <a:endParaRPr lang="en-US" altLang="en-US" sz="1200">
               <a:latin typeface="Garamond" pitchFamily="18" charset="0"/>
@@ -13121,14 +13103,14 @@
           <a:noFill/>
           <a:ln/>
           <a:extLst>
-            <a:ext uri="{909E8E84-426E-40dd-AFC4-6F175D3DCCD1}">
+            <a:ext uri="{909E8E84-426E-40DD-AFC4-6F175D3DCCD1}">
               <a14:hiddenFill xmlns:a14="http://schemas.microsoft.com/office/drawing/2010/main">
                 <a:solidFill>
                   <a:srgbClr val="FFFFFF"/>
                 </a:solidFill>
               </a14:hiddenFill>
             </a:ext>
-            <a:ext uri="{91240B29-F687-4f45-9708-019B960494DF}">
+            <a:ext uri="{91240B29-F687-4F45-9708-019B960494DF}">
               <a14:hiddenLine xmlns:a14="http://schemas.microsoft.com/office/drawing/2010/main" w="9525">
                 <a:solidFill>
                   <a:srgbClr val="000000"/>
@@ -13364,7 +13346,7 @@
   <p:timing>
     <p:tnLst>
       <p:par>
-        <p:cTn xmlns:p14="http://schemas.microsoft.com/office/powerpoint/2010/main" id="1" dur="indefinite" restart="never" nodeType="tmRoot"/>
+        <p:cTn id="1" dur="indefinite" restart="never" nodeType="tmRoot"/>
       </p:par>
     </p:tnLst>
   </p:timing>
@@ -13404,12 +13386,12 @@
           <a:graphicData uri="http://schemas.openxmlformats.org/presentationml/2006/ole">
             <mc:AlternateContent xmlns:mc="http://schemas.openxmlformats.org/markup-compatibility/2006">
               <mc:Choice xmlns:v="urn:schemas-microsoft-com:vml" Requires="v">
-                <p:oleObj spid="_x0000_s2072" name="Document" r:id="rId3" imgW="5651292" imgH="4736926" progId="Word.Document.12">
+                <p:oleObj spid="_x0000_s2073" name="Document" r:id="rId4" imgW="5651292" imgH="4736926" progId="Word.Document.12">
                   <p:embed/>
                 </p:oleObj>
               </mc:Choice>
               <mc:Fallback>
-                <p:oleObj name="Document" r:id="rId3" imgW="5651292" imgH="4736926" progId="Word.Document.12">
+                <p:oleObj name="Document" r:id="rId4" imgW="5651292" imgH="4736926" progId="Word.Document.12">
                   <p:embed/>
                   <p:pic>
                     <p:nvPicPr>
@@ -13420,7 +13402,7 @@
                       <p:nvPr/>
                     </p:nvPicPr>
                     <p:blipFill>
-                      <a:blip r:embed="rId4">
+                      <a:blip r:embed="rId5">
                         <a:extLst>
                           <a:ext uri="{28A0092B-C50C-407E-A947-70E740481C1C}">
                             <a14:useLocalDpi xmlns:a14="http://schemas.microsoft.com/office/drawing/2010/main" val="0"/>
@@ -13445,14 +13427,14 @@
                         <a:noFill/>
                       </a:ln>
                       <a:extLst>
-                        <a:ext uri="{909E8E84-426E-40dd-AFC4-6F175D3DCCD1}">
+                        <a:ext uri="{909E8E84-426E-40DD-AFC4-6F175D3DCCD1}">
                           <a14:hiddenFill xmlns:a14="http://schemas.microsoft.com/office/drawing/2010/main">
                             <a:solidFill>
                               <a:srgbClr val="FFFFFF"/>
                             </a:solidFill>
                           </a14:hiddenFill>
                         </a:ext>
-                        <a:ext uri="{91240B29-F687-4f45-9708-019B960494DF}">
+                        <a:ext uri="{91240B29-F687-4F45-9708-019B960494DF}">
                           <a14:hiddenLine xmlns:a14="http://schemas.microsoft.com/office/drawing/2010/main" w="9525">
                             <a:solidFill>
                               <a:srgbClr val="000000"/>
@@ -13782,14 +13764,14 @@
           <a:noFill/>
           <a:ln/>
           <a:extLst>
-            <a:ext uri="{909E8E84-426E-40dd-AFC4-6F175D3DCCD1}">
+            <a:ext uri="{909E8E84-426E-40DD-AFC4-6F175D3DCCD1}">
               <a14:hiddenFill xmlns:a14="http://schemas.microsoft.com/office/drawing/2010/main">
                 <a:solidFill>
                   <a:srgbClr val="FFFFFF"/>
                 </a:solidFill>
               </a14:hiddenFill>
             </a:ext>
-            <a:ext uri="{91240B29-F687-4f45-9708-019B960494DF}">
+            <a:ext uri="{91240B29-F687-4F45-9708-019B960494DF}">
               <a14:hiddenLine xmlns:a14="http://schemas.microsoft.com/office/drawing/2010/main" w="9525">
                 <a:solidFill>
                   <a:srgbClr val="000000"/>
@@ -13994,7 +13976,7 @@
                 <a:latin typeface="Garamond" pitchFamily="18" charset="0"/>
                 <a:cs typeface="Arial" charset="0"/>
               </a:rPr>
-              <a:t>6/5/16</a:t>
+              <a:t>6/6/2016</a:t>
             </a:fld>
             <a:endParaRPr lang="en-US" altLang="en-US" sz="1200">
               <a:latin typeface="Garamond" pitchFamily="18" charset="0"/>
@@ -14043,14 +14025,14 @@
           <a:noFill/>
           <a:ln/>
           <a:extLst>
-            <a:ext uri="{909E8E84-426E-40dd-AFC4-6F175D3DCCD1}">
+            <a:ext uri="{909E8E84-426E-40DD-AFC4-6F175D3DCCD1}">
               <a14:hiddenFill xmlns:a14="http://schemas.microsoft.com/office/drawing/2010/main">
                 <a:solidFill>
                   <a:srgbClr val="FFFFFF"/>
                 </a:solidFill>
               </a14:hiddenFill>
             </a:ext>
-            <a:ext uri="{91240B29-F687-4f45-9708-019B960494DF}">
+            <a:ext uri="{91240B29-F687-4F45-9708-019B960494DF}">
               <a14:hiddenLine xmlns:a14="http://schemas.microsoft.com/office/drawing/2010/main" w="9525">
                 <a:solidFill>
                   <a:srgbClr val="000000"/>
@@ -14286,7 +14268,7 @@
   <p:timing>
     <p:tnLst>
       <p:par>
-        <p:cTn xmlns:p14="http://schemas.microsoft.com/office/powerpoint/2010/main" id="1" dur="indefinite" restart="never" nodeType="tmRoot"/>
+        <p:cTn id="1" dur="indefinite" restart="never" nodeType="tmRoot"/>
       </p:par>
     </p:tnLst>
   </p:timing>
@@ -14324,14 +14306,14 @@
           <a:noFill/>
           <a:ln/>
           <a:extLst>
-            <a:ext uri="{909E8E84-426E-40dd-AFC4-6F175D3DCCD1}">
+            <a:ext uri="{909E8E84-426E-40DD-AFC4-6F175D3DCCD1}">
               <a14:hiddenFill xmlns:a14="http://schemas.microsoft.com/office/drawing/2010/main">
                 <a:solidFill>
                   <a:srgbClr val="FFFFFF"/>
                 </a:solidFill>
               </a14:hiddenFill>
             </a:ext>
-            <a:ext uri="{91240B29-F687-4f45-9708-019B960494DF}">
+            <a:ext uri="{91240B29-F687-4F45-9708-019B960494DF}">
               <a14:hiddenLine xmlns:a14="http://schemas.microsoft.com/office/drawing/2010/main" w="9525">
                 <a:solidFill>
                   <a:srgbClr val="000000"/>
@@ -14438,7 +14420,7 @@
               <a:rPr lang="en-US" sz="1200" smtClean="0">
                 <a:latin typeface="Garamond" charset="0"/>
               </a:rPr>
-              <a:t>6/5/16</a:t>
+              <a:t>6/6/2016</a:t>
             </a:fld>
             <a:endParaRPr lang="en-US" sz="1200">
               <a:latin typeface="Garamond" charset="0"/>
@@ -14486,14 +14468,14 @@
           <a:noFill/>
           <a:ln/>
           <a:extLst>
-            <a:ext uri="{909E8E84-426E-40dd-AFC4-6F175D3DCCD1}">
+            <a:ext uri="{909E8E84-426E-40DD-AFC4-6F175D3DCCD1}">
               <a14:hiddenFill xmlns:a14="http://schemas.microsoft.com/office/drawing/2010/main">
                 <a:solidFill>
                   <a:srgbClr val="FFFFFF"/>
                 </a:solidFill>
               </a14:hiddenFill>
             </a:ext>
-            <a:ext uri="{91240B29-F687-4f45-9708-019B960494DF}">
+            <a:ext uri="{91240B29-F687-4F45-9708-019B960494DF}">
               <a14:hiddenLine xmlns:a14="http://schemas.microsoft.com/office/drawing/2010/main" w="9525">
                 <a:solidFill>
                   <a:srgbClr val="000000"/>
@@ -15164,7 +15146,7 @@
   <p:timing>
     <p:tnLst>
       <p:par>
-        <p:cTn xmlns:p14="http://schemas.microsoft.com/office/powerpoint/2010/main" id="1" dur="indefinite" restart="never" nodeType="tmRoot"/>
+        <p:cTn id="1" dur="indefinite" restart="never" nodeType="tmRoot"/>
       </p:par>
     </p:tnLst>
   </p:timing>
@@ -15202,14 +15184,14 @@
           <a:noFill/>
           <a:ln/>
           <a:extLst>
-            <a:ext uri="{909E8E84-426E-40dd-AFC4-6F175D3DCCD1}">
+            <a:ext uri="{909E8E84-426E-40DD-AFC4-6F175D3DCCD1}">
               <a14:hiddenFill xmlns:a14="http://schemas.microsoft.com/office/drawing/2010/main">
                 <a:solidFill>
                   <a:srgbClr val="FFFFFF"/>
                 </a:solidFill>
               </a14:hiddenFill>
             </a:ext>
-            <a:ext uri="{91240B29-F687-4f45-9708-019B960494DF}">
+            <a:ext uri="{91240B29-F687-4F45-9708-019B960494DF}">
               <a14:hiddenLine xmlns:a14="http://schemas.microsoft.com/office/drawing/2010/main" w="9525">
                 <a:solidFill>
                   <a:srgbClr val="000000"/>
@@ -15316,7 +15298,7 @@
               <a:rPr lang="en-US" sz="1200" smtClean="0">
                 <a:latin typeface="Garamond" charset="0"/>
               </a:rPr>
-              <a:t>6/5/16</a:t>
+              <a:t>6/6/2016</a:t>
             </a:fld>
             <a:endParaRPr lang="en-US" sz="1200">
               <a:latin typeface="Garamond" charset="0"/>
@@ -15364,14 +15346,14 @@
           <a:noFill/>
           <a:ln/>
           <a:extLst>
-            <a:ext uri="{909E8E84-426E-40dd-AFC4-6F175D3DCCD1}">
+            <a:ext uri="{909E8E84-426E-40DD-AFC4-6F175D3DCCD1}">
               <a14:hiddenFill xmlns:a14="http://schemas.microsoft.com/office/drawing/2010/main">
                 <a:solidFill>
                   <a:srgbClr val="FFFFFF"/>
                 </a:solidFill>
               </a14:hiddenFill>
             </a:ext>
-            <a:ext uri="{91240B29-F687-4f45-9708-019B960494DF}">
+            <a:ext uri="{91240B29-F687-4F45-9708-019B960494DF}">
               <a14:hiddenLine xmlns:a14="http://schemas.microsoft.com/office/drawing/2010/main" w="9525">
                 <a:solidFill>
                   <a:srgbClr val="000000"/>
@@ -15784,7 +15766,7 @@
   <p:timing>
     <p:tnLst>
       <p:par>
-        <p:cTn xmlns:p14="http://schemas.microsoft.com/office/powerpoint/2010/main" id="1" dur="indefinite" restart="never" nodeType="tmRoot"/>
+        <p:cTn id="1" dur="indefinite" restart="never" nodeType="tmRoot"/>
       </p:par>
     </p:tnLst>
   </p:timing>
@@ -16812,14 +16794,14 @@
           <a:noFill/>
           <a:ln/>
           <a:extLst>
-            <a:ext uri="{909E8E84-426E-40dd-AFC4-6F175D3DCCD1}">
+            <a:ext uri="{909E8E84-426E-40DD-AFC4-6F175D3DCCD1}">
               <a14:hiddenFill xmlns:a14="http://schemas.microsoft.com/office/drawing/2010/main">
                 <a:solidFill>
                   <a:srgbClr val="FFFFFF"/>
                 </a:solidFill>
               </a14:hiddenFill>
             </a:ext>
-            <a:ext uri="{91240B29-F687-4f45-9708-019B960494DF}">
+            <a:ext uri="{91240B29-F687-4F45-9708-019B960494DF}">
               <a14:hiddenLine xmlns:a14="http://schemas.microsoft.com/office/drawing/2010/main" w="9525">
                 <a:solidFill>
                   <a:srgbClr val="000000"/>
@@ -16926,7 +16908,7 @@
               <a:rPr lang="en-US" sz="1200" smtClean="0">
                 <a:latin typeface="Garamond" charset="0"/>
               </a:rPr>
-              <a:t>6/5/16</a:t>
+              <a:t>6/6/2016</a:t>
             </a:fld>
             <a:endParaRPr lang="en-US" sz="1200">
               <a:latin typeface="Garamond" charset="0"/>
@@ -16974,14 +16956,14 @@
           <a:noFill/>
           <a:ln/>
           <a:extLst>
-            <a:ext uri="{909E8E84-426E-40dd-AFC4-6F175D3DCCD1}">
+            <a:ext uri="{909E8E84-426E-40DD-AFC4-6F175D3DCCD1}">
               <a14:hiddenFill xmlns:a14="http://schemas.microsoft.com/office/drawing/2010/main">
                 <a:solidFill>
                   <a:srgbClr val="FFFFFF"/>
                 </a:solidFill>
               </a14:hiddenFill>
             </a:ext>
-            <a:ext uri="{91240B29-F687-4f45-9708-019B960494DF}">
+            <a:ext uri="{91240B29-F687-4F45-9708-019B960494DF}">
               <a14:hiddenLine xmlns:a14="http://schemas.microsoft.com/office/drawing/2010/main" w="9525">
                 <a:solidFill>
                   <a:srgbClr val="000000"/>
@@ -17105,7 +17087,7 @@
   <p:timing>
     <p:tnLst>
       <p:par>
-        <p:cTn xmlns:p14="http://schemas.microsoft.com/office/powerpoint/2010/main" id="1" dur="indefinite" restart="never" nodeType="tmRoot"/>
+        <p:cTn id="1" dur="indefinite" restart="never" nodeType="tmRoot"/>
       </p:par>
     </p:tnLst>
   </p:timing>
